--- a/teltick/Dokumente/icon_design.pptx
+++ b/teltick/Dokumente/icon_design.pptx
@@ -4562,6 +4562,60 @@
           </p:sp>
         </p:grpSp>
       </p:grpSp>
+      <p:sp>
+        <p:nvSpPr>
+          <p:cNvPr id="18" name="Multiplizieren 17"/>
+          <p:cNvSpPr/>
+          <p:nvPr/>
+        </p:nvSpPr>
+        <p:spPr>
+          <a:xfrm>
+            <a:off x="2360151" y="2924944"/>
+            <a:ext cx="914400" cy="914400"/>
+          </a:xfrm>
+          <a:prstGeom prst="mathMultiply">
+            <a:avLst/>
+          </a:prstGeom>
+          <a:solidFill>
+            <a:schemeClr val="accent2">
+              <a:lumMod val="60000"/>
+              <a:lumOff val="40000"/>
+            </a:schemeClr>
+          </a:solidFill>
+          <a:ln>
+            <a:solidFill>
+              <a:schemeClr val="tx1">
+                <a:lumMod val="95000"/>
+                <a:lumOff val="5000"/>
+              </a:schemeClr>
+            </a:solidFill>
+          </a:ln>
+        </p:spPr>
+        <p:style>
+          <a:lnRef idx="2">
+            <a:schemeClr val="accent1">
+              <a:shade val="50000"/>
+            </a:schemeClr>
+          </a:lnRef>
+          <a:fillRef idx="1">
+            <a:schemeClr val="accent1"/>
+          </a:fillRef>
+          <a:effectRef idx="0">
+            <a:schemeClr val="accent1"/>
+          </a:effectRef>
+          <a:fontRef idx="minor">
+            <a:schemeClr val="lt1"/>
+          </a:fontRef>
+        </p:style>
+        <p:txBody>
+          <a:bodyPr rtlCol="0" anchor="ctr"/>
+          <a:lstStyle/>
+          <a:p>
+            <a:pPr algn="ctr"/>
+            <a:endParaRPr lang="de-DE"/>
+          </a:p>
+        </p:txBody>
+      </p:sp>
     </p:spTree>
     <p:extLst>
       <p:ext uri="{BB962C8B-B14F-4D97-AF65-F5344CB8AC3E}">
